--- a/Samples/PowerPoint/Simple.pptx
+++ b/Samples/PowerPoint/Simple.pptx
@@ -260,7 +260,7 @@
           <a:p>
             <a:fld id="{B30ADAA9-12D7-4598-9FBD-452081D99B71}" type="datetimeFigureOut">
               <a:rPr lang="en-US" smtClean="0"/>
-              <a:t>6/30/2019</a:t>
+              <a:t>3/3/2021</a:t>
             </a:fld>
             <a:endParaRPr lang="en-US"/>
           </a:p>
@@ -458,7 +458,7 @@
           <a:p>
             <a:fld id="{B30ADAA9-12D7-4598-9FBD-452081D99B71}" type="datetimeFigureOut">
               <a:rPr lang="en-US" smtClean="0"/>
-              <a:t>6/30/2019</a:t>
+              <a:t>3/3/2021</a:t>
             </a:fld>
             <a:endParaRPr lang="en-US"/>
           </a:p>
@@ -666,7 +666,7 @@
           <a:p>
             <a:fld id="{B30ADAA9-12D7-4598-9FBD-452081D99B71}" type="datetimeFigureOut">
               <a:rPr lang="en-US" smtClean="0"/>
-              <a:t>6/30/2019</a:t>
+              <a:t>3/3/2021</a:t>
             </a:fld>
             <a:endParaRPr lang="en-US"/>
           </a:p>
@@ -864,7 +864,7 @@
           <a:p>
             <a:fld id="{B30ADAA9-12D7-4598-9FBD-452081D99B71}" type="datetimeFigureOut">
               <a:rPr lang="en-US" smtClean="0"/>
-              <a:t>6/30/2019</a:t>
+              <a:t>3/3/2021</a:t>
             </a:fld>
             <a:endParaRPr lang="en-US"/>
           </a:p>
@@ -1139,7 +1139,7 @@
           <a:p>
             <a:fld id="{B30ADAA9-12D7-4598-9FBD-452081D99B71}" type="datetimeFigureOut">
               <a:rPr lang="en-US" smtClean="0"/>
-              <a:t>6/30/2019</a:t>
+              <a:t>3/3/2021</a:t>
             </a:fld>
             <a:endParaRPr lang="en-US"/>
           </a:p>
@@ -1404,7 +1404,7 @@
           <a:p>
             <a:fld id="{B30ADAA9-12D7-4598-9FBD-452081D99B71}" type="datetimeFigureOut">
               <a:rPr lang="en-US" smtClean="0"/>
-              <a:t>6/30/2019</a:t>
+              <a:t>3/3/2021</a:t>
             </a:fld>
             <a:endParaRPr lang="en-US"/>
           </a:p>
@@ -1816,7 +1816,7 @@
           <a:p>
             <a:fld id="{B30ADAA9-12D7-4598-9FBD-452081D99B71}" type="datetimeFigureOut">
               <a:rPr lang="en-US" smtClean="0"/>
-              <a:t>6/30/2019</a:t>
+              <a:t>3/3/2021</a:t>
             </a:fld>
             <a:endParaRPr lang="en-US"/>
           </a:p>
@@ -1957,7 +1957,7 @@
           <a:p>
             <a:fld id="{B30ADAA9-12D7-4598-9FBD-452081D99B71}" type="datetimeFigureOut">
               <a:rPr lang="en-US" smtClean="0"/>
-              <a:t>6/30/2019</a:t>
+              <a:t>3/3/2021</a:t>
             </a:fld>
             <a:endParaRPr lang="en-US"/>
           </a:p>
@@ -2070,7 +2070,7 @@
           <a:p>
             <a:fld id="{B30ADAA9-12D7-4598-9FBD-452081D99B71}" type="datetimeFigureOut">
               <a:rPr lang="en-US" smtClean="0"/>
-              <a:t>6/30/2019</a:t>
+              <a:t>3/3/2021</a:t>
             </a:fld>
             <a:endParaRPr lang="en-US"/>
           </a:p>
@@ -2381,7 +2381,7 @@
           <a:p>
             <a:fld id="{B30ADAA9-12D7-4598-9FBD-452081D99B71}" type="datetimeFigureOut">
               <a:rPr lang="en-US" smtClean="0"/>
-              <a:t>6/30/2019</a:t>
+              <a:t>3/3/2021</a:t>
             </a:fld>
             <a:endParaRPr lang="en-US"/>
           </a:p>
@@ -2669,7 +2669,7 @@
           <a:p>
             <a:fld id="{B30ADAA9-12D7-4598-9FBD-452081D99B71}" type="datetimeFigureOut">
               <a:rPr lang="en-US" smtClean="0"/>
-              <a:t>6/30/2019</a:t>
+              <a:t>3/3/2021</a:t>
             </a:fld>
             <a:endParaRPr lang="en-US"/>
           </a:p>
@@ -2910,7 +2910,7 @@
           <a:p>
             <a:fld id="{B30ADAA9-12D7-4598-9FBD-452081D99B71}" type="datetimeFigureOut">
               <a:rPr lang="en-US" smtClean="0"/>
-              <a:t>6/30/2019</a:t>
+              <a:t>3/3/2021</a:t>
             </a:fld>
             <a:endParaRPr lang="en-US"/>
           </a:p>
@@ -3461,6 +3461,47 @@
               <a:rPr lang="fi-FI" dirty="0"/>
               <a:t>Another sub text</a:t>
             </a:r>
+          </a:p>
+          <a:p>
+            <a:r>
+              <a:rPr lang="fi-FI" dirty="0"/>
+              <a:t>Link sample</a:t>
+            </a:r>
+          </a:p>
+          <a:p>
+            <a:pPr lvl="1"/>
+            <a:r>
+              <a:rPr lang="fi-FI" dirty="0">
+                <a:hlinkClick r:id="rId2" action="ppaction://hlinkfile"/>
+              </a:rPr>
+              <a:t>This is a link</a:t>
+            </a:r>
+            <a:endParaRPr lang="fi-FI" dirty="0"/>
+          </a:p>
+          <a:p>
+            <a:pPr lvl="1"/>
+            <a:r>
+              <a:rPr lang="fi-FI" dirty="0"/>
+              <a:t>This is </a:t>
+            </a:r>
+            <a:r>
+              <a:rPr lang="fi-FI" b="1" dirty="0"/>
+              <a:t>another</a:t>
+            </a:r>
+            <a:r>
+              <a:rPr lang="fi-FI" dirty="0"/>
+              <a:t> </a:t>
+            </a:r>
+            <a:r>
+              <a:rPr lang="fi-FI" dirty="0">
+                <a:hlinkClick r:id="rId2" action="ppaction://hlinkfile"/>
+              </a:rPr>
+              <a:t>link</a:t>
+            </a:r>
+            <a:r>
+              <a:rPr lang="fi-FI" dirty="0"/>
+              <a:t>.</a:t>
+            </a:r>
             <a:endParaRPr lang="en-US" dirty="0"/>
           </a:p>
         </p:txBody>

--- a/Samples/PowerPoint/Simple.pptx
+++ b/Samples/PowerPoint/Simple.pptx
@@ -260,7 +260,7 @@
           <a:p>
             <a:fld id="{B30ADAA9-12D7-4598-9FBD-452081D99B71}" type="datetimeFigureOut">
               <a:rPr lang="en-US" smtClean="0"/>
-              <a:t>3/3/2021</a:t>
+              <a:t>11/19/2022</a:t>
             </a:fld>
             <a:endParaRPr lang="en-US"/>
           </a:p>
@@ -458,7 +458,7 @@
           <a:p>
             <a:fld id="{B30ADAA9-12D7-4598-9FBD-452081D99B71}" type="datetimeFigureOut">
               <a:rPr lang="en-US" smtClean="0"/>
-              <a:t>3/3/2021</a:t>
+              <a:t>11/19/2022</a:t>
             </a:fld>
             <a:endParaRPr lang="en-US"/>
           </a:p>
@@ -666,7 +666,7 @@
           <a:p>
             <a:fld id="{B30ADAA9-12D7-4598-9FBD-452081D99B71}" type="datetimeFigureOut">
               <a:rPr lang="en-US" smtClean="0"/>
-              <a:t>3/3/2021</a:t>
+              <a:t>11/19/2022</a:t>
             </a:fld>
             <a:endParaRPr lang="en-US"/>
           </a:p>
@@ -864,7 +864,7 @@
           <a:p>
             <a:fld id="{B30ADAA9-12D7-4598-9FBD-452081D99B71}" type="datetimeFigureOut">
               <a:rPr lang="en-US" smtClean="0"/>
-              <a:t>3/3/2021</a:t>
+              <a:t>11/19/2022</a:t>
             </a:fld>
             <a:endParaRPr lang="en-US"/>
           </a:p>
@@ -1139,7 +1139,7 @@
           <a:p>
             <a:fld id="{B30ADAA9-12D7-4598-9FBD-452081D99B71}" type="datetimeFigureOut">
               <a:rPr lang="en-US" smtClean="0"/>
-              <a:t>3/3/2021</a:t>
+              <a:t>11/19/2022</a:t>
             </a:fld>
             <a:endParaRPr lang="en-US"/>
           </a:p>
@@ -1404,7 +1404,7 @@
           <a:p>
             <a:fld id="{B30ADAA9-12D7-4598-9FBD-452081D99B71}" type="datetimeFigureOut">
               <a:rPr lang="en-US" smtClean="0"/>
-              <a:t>3/3/2021</a:t>
+              <a:t>11/19/2022</a:t>
             </a:fld>
             <a:endParaRPr lang="en-US"/>
           </a:p>
@@ -1816,7 +1816,7 @@
           <a:p>
             <a:fld id="{B30ADAA9-12D7-4598-9FBD-452081D99B71}" type="datetimeFigureOut">
               <a:rPr lang="en-US" smtClean="0"/>
-              <a:t>3/3/2021</a:t>
+              <a:t>11/19/2022</a:t>
             </a:fld>
             <a:endParaRPr lang="en-US"/>
           </a:p>
@@ -1957,7 +1957,7 @@
           <a:p>
             <a:fld id="{B30ADAA9-12D7-4598-9FBD-452081D99B71}" type="datetimeFigureOut">
               <a:rPr lang="en-US" smtClean="0"/>
-              <a:t>3/3/2021</a:t>
+              <a:t>11/19/2022</a:t>
             </a:fld>
             <a:endParaRPr lang="en-US"/>
           </a:p>
@@ -2070,7 +2070,7 @@
           <a:p>
             <a:fld id="{B30ADAA9-12D7-4598-9FBD-452081D99B71}" type="datetimeFigureOut">
               <a:rPr lang="en-US" smtClean="0"/>
-              <a:t>3/3/2021</a:t>
+              <a:t>11/19/2022</a:t>
             </a:fld>
             <a:endParaRPr lang="en-US"/>
           </a:p>
@@ -2381,7 +2381,7 @@
           <a:p>
             <a:fld id="{B30ADAA9-12D7-4598-9FBD-452081D99B71}" type="datetimeFigureOut">
               <a:rPr lang="en-US" smtClean="0"/>
-              <a:t>3/3/2021</a:t>
+              <a:t>11/19/2022</a:t>
             </a:fld>
             <a:endParaRPr lang="en-US"/>
           </a:p>
@@ -2669,7 +2669,7 @@
           <a:p>
             <a:fld id="{B30ADAA9-12D7-4598-9FBD-452081D99B71}" type="datetimeFigureOut">
               <a:rPr lang="en-US" smtClean="0"/>
-              <a:t>3/3/2021</a:t>
+              <a:t>11/19/2022</a:t>
             </a:fld>
             <a:endParaRPr lang="en-US"/>
           </a:p>
@@ -2910,7 +2910,7 @@
           <a:p>
             <a:fld id="{B30ADAA9-12D7-4598-9FBD-452081D99B71}" type="datetimeFigureOut">
               <a:rPr lang="en-US" smtClean="0"/>
-              <a:t>3/3/2021</a:t>
+              <a:t>11/19/2022</a:t>
             </a:fld>
             <a:endParaRPr lang="en-US"/>
           </a:p>
@@ -3349,7 +3349,7 @@
           <a:lstStyle/>
           <a:p>
             <a:r>
-              <a:rPr lang="fi-FI" dirty="0"/>
+              <a:rPr lang="fi-FI"/>
               <a:t>Hello</a:t>
             </a:r>
             <a:endParaRPr lang="en-US" dirty="0"/>
@@ -3425,12 +3425,12 @@
               <a:t>shadow</a:t>
             </a:r>
             <a:r>
-              <a:rPr lang="fi-FI" dirty="0"/>
+              <a:rPr lang="fi-FI"/>
               <a:t>, </a:t>
             </a:r>
             <a:r>
-              <a:rPr lang="fi-FI" strike="sngStrike" dirty="0"/>
-              <a:t>stike</a:t>
+              <a:rPr lang="fi-FI" strike="sngStrike"/>
+              <a:t>strike</a:t>
             </a:r>
             <a:r>
               <a:rPr lang="fi-FI" dirty="0"/>
